--- a/Doc/Proyecto/Presentacion_DemandaBI.pptx
+++ b/Doc/Proyecto/Presentacion_DemandaBI.pptx
@@ -5695,6 +5695,13 @@
   <p:clrMapOvr>
     <a:masterClrMapping/>
   </p:clrMapOvr>
+  <p:timing>
+    <p:tnLst>
+      <p:par>
+        <p:cTn id="1" dur="indefinite" restart="never" nodeType="tmRoot"/>
+      </p:par>
+    </p:tnLst>
+  </p:timing>
 </p:sld>
 </file>
 
@@ -6062,7 +6069,7 @@
             <a:graphicData uri="http://schemas.openxmlformats.org/presentationml/2006/ole">
               <mc:AlternateContent xmlns:mc="http://schemas.openxmlformats.org/markup-compatibility/2006">
                 <mc:Choice xmlns:v="urn:schemas-microsoft-com:vml" Requires="v">
-                  <p:oleObj spid="_x0000_s1065" name="Imagen de mapa de bits" r:id="rId8" imgW="746667" imgH="1325995" progId="Paint.Picture">
+                  <p:oleObj spid="_x0000_s1068" name="Imagen de mapa de bits" r:id="rId8" imgW="746667" imgH="1325995" progId="Paint.Picture">
                     <p:embed/>
                   </p:oleObj>
                 </mc:Choice>
@@ -6251,6 +6258,13 @@
   <p:clrMapOvr>
     <a:masterClrMapping/>
   </p:clrMapOvr>
+  <p:timing>
+    <p:tnLst>
+      <p:par>
+        <p:cTn id="1" dur="indefinite" restart="never" nodeType="tmRoot"/>
+      </p:par>
+    </p:tnLst>
+  </p:timing>
 </p:sld>
 </file>
 
@@ -6523,6 +6537,13 @@
   <p:clrMapOvr>
     <a:masterClrMapping/>
   </p:clrMapOvr>
+  <p:timing>
+    <p:tnLst>
+      <p:par>
+        <p:cTn id="1" dur="indefinite" restart="never" nodeType="tmRoot"/>
+      </p:par>
+    </p:tnLst>
+  </p:timing>
 </p:sld>
 </file>
 
@@ -7070,6 +7091,13 @@
   <p:clrMapOvr>
     <a:masterClrMapping/>
   </p:clrMapOvr>
+  <p:timing>
+    <p:tnLst>
+      <p:par>
+        <p:cTn id="1" dur="indefinite" restart="never" nodeType="tmRoot"/>
+      </p:par>
+    </p:tnLst>
+  </p:timing>
 </p:sld>
 </file>
 
@@ -7452,6 +7480,13 @@
   <p:clrMapOvr>
     <a:masterClrMapping/>
   </p:clrMapOvr>
+  <p:timing>
+    <p:tnLst>
+      <p:par>
+        <p:cTn id="1" dur="indefinite" restart="never" nodeType="tmRoot"/>
+      </p:par>
+    </p:tnLst>
+  </p:timing>
 </p:sld>
 </file>
 
@@ -7649,6 +7684,13 @@
   <p:clrMapOvr>
     <a:masterClrMapping/>
   </p:clrMapOvr>
+  <p:timing>
+    <p:tnLst>
+      <p:par>
+        <p:cTn id="1" dur="indefinite" restart="never" nodeType="tmRoot"/>
+      </p:par>
+    </p:tnLst>
+  </p:timing>
 </p:sld>
 </file>
 
@@ -7802,6 +7844,13 @@
   <p:clrMapOvr>
     <a:masterClrMapping/>
   </p:clrMapOvr>
+  <p:timing>
+    <p:tnLst>
+      <p:par>
+        <p:cTn id="1" dur="indefinite" restart="never" nodeType="tmRoot"/>
+      </p:par>
+    </p:tnLst>
+  </p:timing>
 </p:sld>
 </file>
 
@@ -7955,6 +8004,13 @@
   <p:clrMapOvr>
     <a:masterClrMapping/>
   </p:clrMapOvr>
+  <p:timing>
+    <p:tnLst>
+      <p:par>
+        <p:cTn id="1" dur="indefinite" restart="never" nodeType="tmRoot"/>
+      </p:par>
+    </p:tnLst>
+  </p:timing>
 </p:sld>
 </file>
 
@@ -8151,6 +8207,13 @@
   <p:clrMapOvr>
     <a:masterClrMapping/>
   </p:clrMapOvr>
+  <p:timing>
+    <p:tnLst>
+      <p:par>
+        <p:cTn id="1" dur="indefinite" restart="never" nodeType="tmRoot"/>
+      </p:par>
+    </p:tnLst>
+  </p:timing>
 </p:sld>
 </file>
 
@@ -8328,7 +8391,7 @@
         </p:blipFill>
         <p:spPr>
           <a:xfrm>
-            <a:off x="7740352" y="5918523"/>
+            <a:off x="937537" y="5884060"/>
             <a:ext cx="877416" cy="822002"/>
           </a:xfrm>
           <a:prstGeom prst="rect">
@@ -8336,6 +8399,38 @@
           </a:prstGeom>
         </p:spPr>
       </p:pic>
+      <p:sp>
+        <p:nvSpPr>
+          <p:cNvPr id="6" name="CuadroTexto 5"/>
+          <p:cNvSpPr txBox="1"/>
+          <p:nvPr/>
+        </p:nvSpPr>
+        <p:spPr>
+          <a:xfrm>
+            <a:off x="1907704" y="6110395"/>
+            <a:ext cx="5993307" cy="369332"/>
+          </a:xfrm>
+          <a:prstGeom prst="rect">
+            <a:avLst/>
+          </a:prstGeom>
+          <a:noFill/>
+        </p:spPr>
+        <p:txBody>
+          <a:bodyPr wrap="none" rtlCol="0">
+            <a:spAutoFit/>
+          </a:bodyPr>
+          <a:lstStyle/>
+          <a:p>
+            <a:r>
+              <a:rPr lang="es-CO" u="sng" dirty="0">
+                <a:hlinkClick r:id="rId3"/>
+              </a:rPr>
+              <a:t>https://github.com/hugo14gonzalez/BI_Demanda</a:t>
+            </a:r>
+            <a:endParaRPr lang="es-CO" dirty="0"/>
+          </a:p>
+        </p:txBody>
+      </p:sp>
     </p:spTree>
     <p:extLst>
       <p:ext uri="{BB962C8B-B14F-4D97-AF65-F5344CB8AC3E}">
@@ -8346,6 +8441,13 @@
   <p:clrMapOvr>
     <a:masterClrMapping/>
   </p:clrMapOvr>
+  <p:timing>
+    <p:tnLst>
+      <p:par>
+        <p:cTn id="1" dur="indefinite" restart="never" nodeType="tmRoot"/>
+      </p:par>
+    </p:tnLst>
+  </p:timing>
 </p:sld>
 </file>
 
@@ -8542,6 +8644,13 @@
   <p:clrMapOvr>
     <a:masterClrMapping/>
   </p:clrMapOvr>
+  <p:timing>
+    <p:tnLst>
+      <p:par>
+        <p:cTn id="1" dur="indefinite" restart="never" nodeType="tmRoot"/>
+      </p:par>
+    </p:tnLst>
+  </p:timing>
 </p:sld>
 </file>
 
@@ -8732,6 +8841,13 @@
   <p:clrMapOvr>
     <a:masterClrMapping/>
   </p:clrMapOvr>
+  <p:timing>
+    <p:tnLst>
+      <p:par>
+        <p:cTn id="1" dur="indefinite" restart="never" nodeType="tmRoot"/>
+      </p:par>
+    </p:tnLst>
+  </p:timing>
 </p:sld>
 </file>
 
@@ -8890,11 +9006,15 @@
             </a:r>
             <a:r>
               <a:rPr lang="es-CO" sz="2000" dirty="0"/>
-              <a:t>pero existe poco personal calificado o con bajo </a:t>
+              <a:t>pero existe poco personal </a:t>
             </a:r>
             <a:r>
               <a:rPr lang="es-CO" sz="2000" dirty="0" smtClean="0"/>
-              <a:t>conocimiento. El </a:t>
+              <a:t>calificado. </a:t>
+            </a:r>
+            <a:r>
+              <a:rPr lang="es-CO" sz="2000" dirty="0" smtClean="0"/>
+              <a:t>El </a:t>
             </a:r>
             <a:r>
               <a:rPr lang="es-CO" sz="2000" dirty="0"/>
@@ -8946,6 +9066,13 @@
   <p:clrMapOvr>
     <a:masterClrMapping/>
   </p:clrMapOvr>
+  <p:timing>
+    <p:tnLst>
+      <p:par>
+        <p:cTn id="1" dur="indefinite" restart="never" nodeType="tmRoot"/>
+      </p:par>
+    </p:tnLst>
+  </p:timing>
 </p:sld>
 </file>
 
@@ -10504,6 +10631,13 @@
   <p:clrMapOvr>
     <a:masterClrMapping/>
   </p:clrMapOvr>
+  <p:timing>
+    <p:tnLst>
+      <p:par>
+        <p:cTn id="1" dur="indefinite" restart="never" nodeType="tmRoot"/>
+      </p:par>
+    </p:tnLst>
+  </p:timing>
 </p:sld>
 </file>
 
@@ -10715,6 +10849,13 @@
   <p:clrMapOvr>
     <a:masterClrMapping/>
   </p:clrMapOvr>
+  <p:timing>
+    <p:tnLst>
+      <p:par>
+        <p:cTn id="1" dur="indefinite" restart="never" nodeType="tmRoot"/>
+      </p:par>
+    </p:tnLst>
+  </p:timing>
 </p:sld>
 </file>
 
@@ -11874,6 +12015,13 @@
   <p:clrMapOvr>
     <a:masterClrMapping/>
   </p:clrMapOvr>
+  <p:timing>
+    <p:tnLst>
+      <p:par>
+        <p:cTn id="1" dur="indefinite" restart="never" nodeType="tmRoot"/>
+      </p:par>
+    </p:tnLst>
+  </p:timing>
 </p:sld>
 </file>
 
@@ -16676,6 +16824,13 @@
   <p:clrMapOvr>
     <a:masterClrMapping/>
   </p:clrMapOvr>
+  <p:timing>
+    <p:tnLst>
+      <p:par>
+        <p:cTn id="1" dur="indefinite" restart="never" nodeType="tmRoot"/>
+      </p:par>
+    </p:tnLst>
+  </p:timing>
 </p:sld>
 </file>
 
@@ -18342,6 +18497,13 @@
   <p:clrMapOvr>
     <a:masterClrMapping/>
   </p:clrMapOvr>
+  <p:timing>
+    <p:tnLst>
+      <p:par>
+        <p:cTn id="1" dur="indefinite" restart="never" nodeType="tmRoot"/>
+      </p:par>
+    </p:tnLst>
+  </p:timing>
 </p:sld>
 </file>
 
@@ -18885,6 +19047,13 @@
   <p:clrMapOvr>
     <a:masterClrMapping/>
   </p:clrMapOvr>
+  <p:timing>
+    <p:tnLst>
+      <p:par>
+        <p:cTn id="1" dur="indefinite" restart="never" nodeType="tmRoot"/>
+      </p:par>
+    </p:tnLst>
+  </p:timing>
 </p:sld>
 </file>
 
@@ -19106,6 +19275,13 @@
   <p:clrMapOvr>
     <a:masterClrMapping/>
   </p:clrMapOvr>
+  <p:timing>
+    <p:tnLst>
+      <p:par>
+        <p:cTn id="1" dur="indefinite" restart="never" nodeType="tmRoot"/>
+      </p:par>
+    </p:tnLst>
+  </p:timing>
 </p:sld>
 </file>
 
